--- a/Article/Algorithm/알고리즘_문제/2019_winter_kakao_크레인 인형뽑기 게임/img/img.pptx
+++ b/Article/Algorithm/알고리즘_문제/2019_winter_kakao_크레인 인형뽑기 게임/img/img.pptx
@@ -104,6 +104,11 @@
       </a:defRPr>
     </a:lvl9pPr>
   </p:defaultTextStyle>
+  <p:extLst>
+    <p:ext uri="{EFAFB233-063F-42B5-8137-9DF3F51BA10A}">
+      <p15:sldGuideLst xmlns:p15="http://schemas.microsoft.com/office/powerpoint/2012/main"/>
+    </p:ext>
+  </p:extLst>
 </p:presentation>
 </file>
 
@@ -3343,7 +3348,7 @@
           </p:cNvPicPr>
           <p:nvPr/>
         </p:nvPicPr>
-        <p:blipFill>
+        <p:blipFill rotWithShape="1">
           <a:blip r:embed="rId2">
             <a:extLst>
               <a:ext uri="{28A0092B-C50C-407E-A947-70E740481C1C}">
@@ -3351,15 +3356,13 @@
               </a:ext>
             </a:extLst>
           </a:blip>
-          <a:srcRect/>
-          <a:stretch>
-            <a:fillRect/>
-          </a:stretch>
+          <a:srcRect b="22910"/>
+          <a:stretch/>
         </p:blipFill>
         <p:spPr bwMode="auto">
           <a:xfrm>
-            <a:off x="1308489" y="1791281"/>
-            <a:ext cx="9575022" cy="5010928"/>
+            <a:off x="2140922" y="1865928"/>
+            <a:ext cx="7910156" cy="3191264"/>
           </a:xfrm>
           <a:prstGeom prst="rect">
             <a:avLst/>
@@ -3390,7 +3393,7 @@
         </p:nvSpPr>
         <p:spPr>
           <a:xfrm>
-            <a:off x="1934547" y="4567333"/>
+            <a:off x="2140922" y="4275752"/>
             <a:ext cx="8767666" cy="1786813"/>
           </a:xfrm>
           <a:prstGeom prst="rect">
@@ -3428,6 +3431,36 @@
           </a:p>
         </p:txBody>
       </p:sp>
+      <p:pic>
+        <p:nvPicPr>
+          <p:cNvPr id="2" name="그림 1">
+            <a:extLst>
+              <a:ext uri="{FF2B5EF4-FFF2-40B4-BE49-F238E27FC236}">
+                <a16:creationId xmlns:a16="http://schemas.microsoft.com/office/drawing/2014/main" id="{1A569968-6125-4611-A26A-47707CD20317}"/>
+              </a:ext>
+            </a:extLst>
+          </p:cNvPr>
+          <p:cNvPicPr>
+            <a:picLocks noChangeAspect="1"/>
+          </p:cNvPicPr>
+          <p:nvPr/>
+        </p:nvPicPr>
+        <p:blipFill>
+          <a:blip r:embed="rId3"/>
+          <a:stretch>
+            <a:fillRect/>
+          </a:stretch>
+        </p:blipFill>
+        <p:spPr>
+          <a:xfrm>
+            <a:off x="4029075" y="4499492"/>
+            <a:ext cx="4133850" cy="485775"/>
+          </a:xfrm>
+          <a:prstGeom prst="rect">
+            <a:avLst/>
+          </a:prstGeom>
+        </p:spPr>
+      </p:pic>
     </p:spTree>
     <p:extLst>
       <p:ext uri="{BB962C8B-B14F-4D97-AF65-F5344CB8AC3E}">
